--- a/ppt/PPT AVICOLA SAN MATIAS S.A.C..pptx
+++ b/ppt/PPT AVICOLA SAN MATIAS S.A.C..pptx
@@ -7030,7 +7030,7 @@
         </p:nvGraphicFramePr>
         <p:xfrm>
           <a:off x="3037174" y="2285581"/>
-          <a:ext cx="5829300" cy="1018288"/>
+          <a:ext cx="5829300" cy="1135380"/>
         </p:xfrm>
         <a:graphic>
           <a:graphicData uri="http://schemas.openxmlformats.org/drawingml/2006/table">
@@ -8374,7 +8374,7 @@
         </p:nvGraphicFramePr>
         <p:xfrm>
           <a:off x="3322391" y="4083112"/>
-          <a:ext cx="5387340" cy="1817587"/>
+          <a:ext cx="5387340" cy="1872451"/>
         </p:xfrm>
         <a:graphic>
           <a:graphicData uri="http://schemas.openxmlformats.org/drawingml/2006/table">
@@ -10990,11 +10990,18 @@
           </a:bodyPr>
           <a:lstStyle/>
           <a:p>
+            <a:pPr algn="ctr"/>
+            <a:r>
+              <a:rPr lang="es-ES" sz="2000" dirty="0" smtClean="0">
+                <a:latin typeface="+mj-lt"/>
+              </a:rPr>
+              <a:t>Costo </a:t>
+            </a:r>
             <a:r>
               <a:rPr lang="es-ES" sz="2000" dirty="0">
                 <a:latin typeface="+mj-lt"/>
               </a:rPr>
-              <a:t>Costo de Herramientas, máquinas y equipos.</a:t>
+              <a:t>total de la implementación de mejora.</a:t>
             </a:r>
             <a:endParaRPr lang="es-PE" dirty="0"/>
           </a:p>
@@ -12185,14 +12192,14 @@
                         </a:spcAft>
                       </a:pPr>
                       <a:r>
-                        <a:rPr lang="es-ES" sz="1200" kern="1200">
+                        <a:rPr lang="es-ES" sz="1200" kern="1200" dirty="0">
                           <a:effectLst/>
                           <a:latin typeface="Times New Roman" panose="02020603050405020304" pitchFamily="18" charset="0"/>
                           <a:ea typeface="Calibri" panose="020F0502020204030204" pitchFamily="34" charset="0"/>
                         </a:rPr>
                         <a:t>Github</a:t>
                       </a:r>
-                      <a:endParaRPr lang="es-PE" sz="1100">
+                      <a:endParaRPr lang="es-PE" sz="1100" dirty="0">
                         <a:effectLst/>
                         <a:latin typeface="Calibri" panose="020F0502020204030204" pitchFamily="34" charset="0"/>
                         <a:ea typeface="Calibri" panose="020F0502020204030204" pitchFamily="34" charset="0"/>
@@ -12252,14 +12259,14 @@
                         </a:spcAft>
                       </a:pPr>
                       <a:r>
-                        <a:rPr lang="es-ES" sz="1200" kern="1200">
+                        <a:rPr lang="es-ES" sz="1200" kern="1200" dirty="0">
                           <a:effectLst/>
                           <a:latin typeface="Times New Roman" panose="02020603050405020304" pitchFamily="18" charset="0"/>
                           <a:ea typeface="Calibri" panose="020F0502020204030204" pitchFamily="34" charset="0"/>
                         </a:rPr>
                         <a:t>0</a:t>
                       </a:r>
-                      <a:endParaRPr lang="es-PE" sz="1100">
+                      <a:endParaRPr lang="es-PE" sz="1100" dirty="0">
                         <a:effectLst/>
                         <a:latin typeface="Calibri" panose="020F0502020204030204" pitchFamily="34" charset="0"/>
                         <a:ea typeface="Calibri" panose="020F0502020204030204" pitchFamily="34" charset="0"/>
@@ -12322,7 +12329,7 @@
                           <a:spcPct val="107000"/>
                         </a:lnSpc>
                       </a:pPr>
-                      <a:endParaRPr lang="es-PE" sz="1100">
+                      <a:endParaRPr lang="es-PE" sz="1100" dirty="0">
                         <a:effectLst/>
                         <a:latin typeface="Calibri" panose="020F0502020204030204" pitchFamily="34" charset="0"/>
                       </a:endParaRPr>
